--- a/doc_source/videos/image/BFH_Intro.pptx
+++ b/doc_source/videos/image/BFH_Intro.pptx
@@ -236,7 +236,7 @@
               <a:pPr>
                 <a:defRPr/>
               </a:pPr>
-              <a:t>17.12.2021</a:t>
+              <a:t>02.01.2022</a:t>
             </a:fld>
             <a:endParaRPr lang="de-CH"/>
           </a:p>
@@ -8906,6 +8906,249 @@
             <a:r>
               <a:rPr lang="de-CH" sz="4400" dirty="0"/>
               <a:t>Billiard-AI</a:t>
+            </a:r>
+          </a:p>
+        </p:txBody>
+      </p:sp>
+      <p:sp>
+        <p:nvSpPr>
+          <p:cNvPr id="4" name="Untertitel 1">
+            <a:extLst>
+              <a:ext uri="{FF2B5EF4-FFF2-40B4-BE49-F238E27FC236}">
+                <a16:creationId xmlns:a16="http://schemas.microsoft.com/office/drawing/2014/main" id="{C76FB705-C29F-4932-84F9-2E28646151C0}"/>
+              </a:ext>
+            </a:extLst>
+          </p:cNvPr>
+          <p:cNvSpPr txBox="1">
+            <a:spLocks/>
+          </p:cNvSpPr>
+          <p:nvPr/>
+        </p:nvSpPr>
+        <p:spPr>
+          <a:xfrm>
+            <a:off x="675396" y="5969825"/>
+            <a:ext cx="13568780" cy="532576"/>
+          </a:xfrm>
+          <a:prstGeom prst="rect">
+            <a:avLst/>
+          </a:prstGeom>
+        </p:spPr>
+        <p:txBody>
+          <a:bodyPr vert="horz" lIns="0" tIns="0" rIns="0" bIns="0" rtlCol="0">
+            <a:noAutofit/>
+          </a:bodyPr>
+          <a:lstStyle>
+            <a:lvl1pPr marL="0" marR="0" indent="0" algn="l" defTabSz="457200" rtl="0" eaLnBrk="1" fontAlgn="base" latinLnBrk="0" hangingPunct="1">
+              <a:lnSpc>
+                <a:spcPct val="100000"/>
+              </a:lnSpc>
+              <a:spcBef>
+                <a:spcPct val="20000"/>
+              </a:spcBef>
+              <a:spcAft>
+                <a:spcPct val="0"/>
+              </a:spcAft>
+              <a:buClr>
+                <a:schemeClr val="accent6"/>
+              </a:buClr>
+              <a:buSzPct val="75000"/>
+              <a:buFont typeface="Wingdings 3" panose="05040102010807070707" pitchFamily="18" charset="2"/>
+              <a:buNone/>
+              <a:tabLst/>
+              <a:defRPr sz="2000" kern="1200" baseline="0">
+                <a:solidFill>
+                  <a:schemeClr val="bg1"/>
+                </a:solidFill>
+                <a:latin typeface="Lucida Sans"/>
+                <a:ea typeface="MS PGothic" pitchFamily="34" charset="-128"/>
+                <a:cs typeface="Lucida Sans Unicode"/>
+              </a:defRPr>
+            </a:lvl1pPr>
+            <a:lvl2pPr marL="457200" marR="0" indent="0" algn="ctr" defTabSz="457200" rtl="0" eaLnBrk="1" fontAlgn="base" latinLnBrk="0" hangingPunct="1">
+              <a:lnSpc>
+                <a:spcPct val="100000"/>
+              </a:lnSpc>
+              <a:spcBef>
+                <a:spcPct val="20000"/>
+              </a:spcBef>
+              <a:spcAft>
+                <a:spcPct val="0"/>
+              </a:spcAft>
+              <a:buClr>
+                <a:schemeClr val="accent6"/>
+              </a:buClr>
+              <a:buSzPct val="75000"/>
+              <a:buFont typeface="Wingdings 3" panose="05040102010807070707" pitchFamily="18" charset="2"/>
+              <a:buNone/>
+              <a:tabLst/>
+              <a:defRPr sz="2200" kern="1200" baseline="0">
+                <a:solidFill>
+                  <a:schemeClr val="tx1">
+                    <a:tint val="75000"/>
+                  </a:schemeClr>
+                </a:solidFill>
+                <a:latin typeface="+mn-lt"/>
+                <a:ea typeface="MS PGothic" pitchFamily="34" charset="-128"/>
+                <a:cs typeface="+mn-cs"/>
+              </a:defRPr>
+            </a:lvl2pPr>
+            <a:lvl3pPr marL="914400" marR="0" indent="0" algn="ctr" defTabSz="457200" rtl="0" eaLnBrk="1" fontAlgn="base" latinLnBrk="0" hangingPunct="1">
+              <a:lnSpc>
+                <a:spcPct val="100000"/>
+              </a:lnSpc>
+              <a:spcBef>
+                <a:spcPct val="20000"/>
+              </a:spcBef>
+              <a:spcAft>
+                <a:spcPct val="0"/>
+              </a:spcAft>
+              <a:buClr>
+                <a:schemeClr val="accent6"/>
+              </a:buClr>
+              <a:buSzPct val="75000"/>
+              <a:buFont typeface="Wingdings 3" panose="05040102010807070707" pitchFamily="18" charset="2"/>
+              <a:buNone/>
+              <a:tabLst/>
+              <a:defRPr sz="2200" kern="1200" baseline="0">
+                <a:solidFill>
+                  <a:schemeClr val="tx1">
+                    <a:tint val="75000"/>
+                  </a:schemeClr>
+                </a:solidFill>
+                <a:latin typeface="+mn-lt"/>
+                <a:ea typeface="MS PGothic" pitchFamily="34" charset="-128"/>
+                <a:cs typeface="+mn-cs"/>
+              </a:defRPr>
+            </a:lvl3pPr>
+            <a:lvl4pPr marL="1371600" marR="0" indent="0" algn="ctr" defTabSz="457200" rtl="0" eaLnBrk="1" fontAlgn="base" latinLnBrk="0" hangingPunct="1">
+              <a:lnSpc>
+                <a:spcPct val="100000"/>
+              </a:lnSpc>
+              <a:spcBef>
+                <a:spcPct val="20000"/>
+              </a:spcBef>
+              <a:spcAft>
+                <a:spcPct val="0"/>
+              </a:spcAft>
+              <a:buClr>
+                <a:schemeClr val="accent6"/>
+              </a:buClr>
+              <a:buSzPct val="75000"/>
+              <a:buFont typeface="Wingdings 3" panose="05040102010807070707" pitchFamily="18" charset="2"/>
+              <a:buNone/>
+              <a:tabLst/>
+              <a:defRPr sz="2200" kern="1200" baseline="0">
+                <a:solidFill>
+                  <a:schemeClr val="tx1">
+                    <a:tint val="75000"/>
+                  </a:schemeClr>
+                </a:solidFill>
+                <a:latin typeface="+mn-lt"/>
+                <a:ea typeface="MS PGothic" pitchFamily="34" charset="-128"/>
+                <a:cs typeface="+mn-cs"/>
+              </a:defRPr>
+            </a:lvl4pPr>
+            <a:lvl5pPr marL="1828800" marR="0" indent="0" algn="ctr" defTabSz="457200" rtl="0" eaLnBrk="1" fontAlgn="base" latinLnBrk="0" hangingPunct="1">
+              <a:lnSpc>
+                <a:spcPct val="100000"/>
+              </a:lnSpc>
+              <a:spcBef>
+                <a:spcPct val="20000"/>
+              </a:spcBef>
+              <a:spcAft>
+                <a:spcPct val="0"/>
+              </a:spcAft>
+              <a:buClr>
+                <a:schemeClr val="accent6"/>
+              </a:buClr>
+              <a:buSzPct val="75000"/>
+              <a:buFont typeface="Wingdings 3" panose="05040102010807070707" pitchFamily="18" charset="2"/>
+              <a:buNone/>
+              <a:tabLst/>
+              <a:defRPr sz="2200" kern="1200" baseline="0">
+                <a:solidFill>
+                  <a:schemeClr val="tx1">
+                    <a:tint val="75000"/>
+                  </a:schemeClr>
+                </a:solidFill>
+                <a:latin typeface="+mn-lt"/>
+                <a:ea typeface="MS PGothic" pitchFamily="34" charset="-128"/>
+                <a:cs typeface="+mn-cs"/>
+              </a:defRPr>
+            </a:lvl5pPr>
+            <a:lvl6pPr marL="2286000" indent="0" algn="ctr" defTabSz="457200" rtl="0" eaLnBrk="1" latinLnBrk="0" hangingPunct="1">
+              <a:spcBef>
+                <a:spcPct val="20000"/>
+              </a:spcBef>
+              <a:buFont typeface="Arial"/>
+              <a:buNone/>
+              <a:defRPr sz="2000" kern="1200">
+                <a:solidFill>
+                  <a:schemeClr val="tx1">
+                    <a:tint val="75000"/>
+                  </a:schemeClr>
+                </a:solidFill>
+                <a:latin typeface="+mn-lt"/>
+                <a:ea typeface="+mn-ea"/>
+                <a:cs typeface="+mn-cs"/>
+              </a:defRPr>
+            </a:lvl6pPr>
+            <a:lvl7pPr marL="2743200" indent="0" algn="ctr" defTabSz="457200" rtl="0" eaLnBrk="1" latinLnBrk="0" hangingPunct="1">
+              <a:spcBef>
+                <a:spcPct val="20000"/>
+              </a:spcBef>
+              <a:buFont typeface="Arial"/>
+              <a:buNone/>
+              <a:defRPr sz="2000" kern="1200">
+                <a:solidFill>
+                  <a:schemeClr val="tx1">
+                    <a:tint val="75000"/>
+                  </a:schemeClr>
+                </a:solidFill>
+                <a:latin typeface="+mn-lt"/>
+                <a:ea typeface="+mn-ea"/>
+                <a:cs typeface="+mn-cs"/>
+              </a:defRPr>
+            </a:lvl7pPr>
+            <a:lvl8pPr marL="3200400" indent="0" algn="ctr" defTabSz="457200" rtl="0" eaLnBrk="1" latinLnBrk="0" hangingPunct="1">
+              <a:spcBef>
+                <a:spcPct val="20000"/>
+              </a:spcBef>
+              <a:buFont typeface="Arial"/>
+              <a:buNone/>
+              <a:defRPr sz="2000" kern="1200">
+                <a:solidFill>
+                  <a:schemeClr val="tx1">
+                    <a:tint val="75000"/>
+                  </a:schemeClr>
+                </a:solidFill>
+                <a:latin typeface="+mn-lt"/>
+                <a:ea typeface="+mn-ea"/>
+                <a:cs typeface="+mn-cs"/>
+              </a:defRPr>
+            </a:lvl8pPr>
+            <a:lvl9pPr marL="3657600" indent="0" algn="ctr" defTabSz="457200" rtl="0" eaLnBrk="1" latinLnBrk="0" hangingPunct="1">
+              <a:spcBef>
+                <a:spcPct val="20000"/>
+              </a:spcBef>
+              <a:buFont typeface="Arial"/>
+              <a:buNone/>
+              <a:defRPr sz="2000" kern="1200">
+                <a:solidFill>
+                  <a:schemeClr val="tx1">
+                    <a:tint val="75000"/>
+                  </a:schemeClr>
+                </a:solidFill>
+                <a:latin typeface="+mn-lt"/>
+                <a:ea typeface="+mn-ea"/>
+                <a:cs typeface="+mn-cs"/>
+              </a:defRPr>
+            </a:lvl9pPr>
+          </a:lstStyle>
+          <a:p>
+            <a:r>
+              <a:rPr lang="de-CH" sz="2800" dirty="0"/>
+              <a:t>Herbstsemester 2021</a:t>
             </a:r>
           </a:p>
         </p:txBody>
@@ -9501,12 +9744,19 @@
 </file>
 
 <file path=customXml/item1.xml><?xml version="1.0" encoding="utf-8"?>
-<?mso-contentType ?>
-<FormTemplates xmlns="http://schemas.microsoft.com/sharepoint/v3/contenttype/forms">
-  <Display>DocumentLibraryForm</Display>
-  <Edit>DocumentLibraryForm</Edit>
-  <New>DocumentLibraryForm</New>
-</FormTemplates>
+<p:properties xmlns:p="http://schemas.microsoft.com/office/2006/metadata/properties" xmlns:xsi="http://www.w3.org/2001/XMLSchema-instance" xmlns:pc="http://schemas.microsoft.com/office/infopath/2007/PartnerControls">
+  <documentManagement>
+    <QMPilot_DokID xmlns="2551ef7e-3b29-44d1-a8ad-ef34c26bfc60">5899</QMPilot_DokID>
+    <BfhIntranetDepartmentText xmlns="c80a905c-4fb7-4aee-a8c7-07e487572366">
+      <Terms xmlns="http://schemas.microsoft.com/office/infopath/2007/PartnerControls">
+        <TermInfo xmlns="http://schemas.microsoft.com/office/infopath/2007/PartnerControls">
+          <TermName xmlns="http://schemas.microsoft.com/office/infopath/2007/PartnerControls">Vorlage</TermName>
+          <TermId xmlns="http://schemas.microsoft.com/office/infopath/2007/PartnerControls">de1a6d3c-ac6a-4b34-8edd-308eb81066db</TermId>
+        </TermInfo>
+      </Terms>
+    </BfhIntranetDepartmentText>
+  </documentManagement>
+</p:properties>
 </file>
 
 <file path=customXml/item2.xml><?xml version="1.0" encoding="utf-8"?>
@@ -9649,25 +9899,27 @@
 </file>
 
 <file path=customXml/item3.xml><?xml version="1.0" encoding="utf-8"?>
-<p:properties xmlns:p="http://schemas.microsoft.com/office/2006/metadata/properties" xmlns:xsi="http://www.w3.org/2001/XMLSchema-instance" xmlns:pc="http://schemas.microsoft.com/office/infopath/2007/PartnerControls">
-  <documentManagement>
-    <QMPilot_DokID xmlns="2551ef7e-3b29-44d1-a8ad-ef34c26bfc60">5899</QMPilot_DokID>
-    <BfhIntranetDepartmentText xmlns="c80a905c-4fb7-4aee-a8c7-07e487572366">
-      <Terms xmlns="http://schemas.microsoft.com/office/infopath/2007/PartnerControls">
-        <TermInfo xmlns="http://schemas.microsoft.com/office/infopath/2007/PartnerControls">
-          <TermName xmlns="http://schemas.microsoft.com/office/infopath/2007/PartnerControls">Vorlage</TermName>
-          <TermId xmlns="http://schemas.microsoft.com/office/infopath/2007/PartnerControls">de1a6d3c-ac6a-4b34-8edd-308eb81066db</TermId>
-        </TermInfo>
-      </Terms>
-    </BfhIntranetDepartmentText>
-  </documentManagement>
-</p:properties>
+<?mso-contentType ?>
+<FormTemplates xmlns="http://schemas.microsoft.com/sharepoint/v3/contenttype/forms">
+  <Display>DocumentLibraryForm</Display>
+  <Edit>DocumentLibraryForm</Edit>
+  <New>DocumentLibraryForm</New>
+</FormTemplates>
 </file>
 
 <file path=customXml/itemProps1.xml><?xml version="1.0" encoding="utf-8"?>
-<ds:datastoreItem xmlns:ds="http://schemas.openxmlformats.org/officeDocument/2006/customXml" ds:itemID="{7D2542CC-467A-4770-BDA7-ADCFF09F6DBF}">
+<ds:datastoreItem xmlns:ds="http://schemas.openxmlformats.org/officeDocument/2006/customXml" ds:itemID="{66985437-8812-4ABE-89CE-3E49C89E0BF6}">
   <ds:schemaRefs>
-    <ds:schemaRef ds:uri="http://schemas.microsoft.com/sharepoint/v3/contenttype/forms"/>
+    <ds:schemaRef ds:uri="http://purl.org/dc/terms/"/>
+    <ds:schemaRef ds:uri="c80a905c-4fb7-4aee-a8c7-07e487572366"/>
+    <ds:schemaRef ds:uri="http://purl.org/dc/elements/1.1/"/>
+    <ds:schemaRef ds:uri="http://schemas.microsoft.com/office/2006/documentManagement/types"/>
+    <ds:schemaRef ds:uri="http://schemas.microsoft.com/office/2006/metadata/properties"/>
+    <ds:schemaRef ds:uri="http://purl.org/dc/dcmitype/"/>
+    <ds:schemaRef ds:uri="http://schemas.microsoft.com/office/infopath/2007/PartnerControls"/>
+    <ds:schemaRef ds:uri="http://schemas.openxmlformats.org/package/2006/metadata/core-properties"/>
+    <ds:schemaRef ds:uri="2551ef7e-3b29-44d1-a8ad-ef34c26bfc60"/>
+    <ds:schemaRef ds:uri="http://www.w3.org/XML/1998/namespace"/>
   </ds:schemaRefs>
 </ds:datastoreItem>
 </file>
@@ -9692,18 +9944,9 @@
 </file>
 
 <file path=customXml/itemProps3.xml><?xml version="1.0" encoding="utf-8"?>
-<ds:datastoreItem xmlns:ds="http://schemas.openxmlformats.org/officeDocument/2006/customXml" ds:itemID="{66985437-8812-4ABE-89CE-3E49C89E0BF6}">
+<ds:datastoreItem xmlns:ds="http://schemas.openxmlformats.org/officeDocument/2006/customXml" ds:itemID="{7D2542CC-467A-4770-BDA7-ADCFF09F6DBF}">
   <ds:schemaRefs>
-    <ds:schemaRef ds:uri="http://purl.org/dc/terms/"/>
-    <ds:schemaRef ds:uri="c80a905c-4fb7-4aee-a8c7-07e487572366"/>
-    <ds:schemaRef ds:uri="http://purl.org/dc/elements/1.1/"/>
-    <ds:schemaRef ds:uri="http://schemas.microsoft.com/office/2006/documentManagement/types"/>
-    <ds:schemaRef ds:uri="http://schemas.microsoft.com/office/2006/metadata/properties"/>
-    <ds:schemaRef ds:uri="http://purl.org/dc/dcmitype/"/>
-    <ds:schemaRef ds:uri="http://schemas.microsoft.com/office/infopath/2007/PartnerControls"/>
-    <ds:schemaRef ds:uri="http://schemas.openxmlformats.org/package/2006/metadata/core-properties"/>
-    <ds:schemaRef ds:uri="2551ef7e-3b29-44d1-a8ad-ef34c26bfc60"/>
-    <ds:schemaRef ds:uri="http://www.w3.org/XML/1998/namespace"/>
+    <ds:schemaRef ds:uri="http://schemas.microsoft.com/sharepoint/v3/contenttype/forms"/>
   </ds:schemaRefs>
 </ds:datastoreItem>
 </file>